--- a/documents/Final_presentation.pptx
+++ b/documents/Final_presentation.pptx
@@ -845,7 +845,7 @@
           <a:p>
             <a:fld id="{53DC798D-381E-ED4A-8F36-6CFFBD026857}" type="datetimeFigureOut">
               <a:rPr lang="en-US" smtClean="0"/>
-              <a:t>12/3/2021</a:t>
+              <a:t>12/6/2021</a:t>
             </a:fld>
             <a:endParaRPr lang="en-US"/>
           </a:p>
@@ -1096,7 +1096,7 @@
           <a:p>
             <a:fld id="{53DC798D-381E-ED4A-8F36-6CFFBD026857}" type="datetimeFigureOut">
               <a:rPr lang="en-US" smtClean="0"/>
-              <a:t>12/3/2021</a:t>
+              <a:t>12/6/2021</a:t>
             </a:fld>
             <a:endParaRPr lang="en-US"/>
           </a:p>
@@ -1410,7 +1410,7 @@
           <a:p>
             <a:fld id="{53DC798D-381E-ED4A-8F36-6CFFBD026857}" type="datetimeFigureOut">
               <a:rPr lang="en-US" smtClean="0"/>
-              <a:t>12/3/2021</a:t>
+              <a:t>12/6/2021</a:t>
             </a:fld>
             <a:endParaRPr lang="en-US"/>
           </a:p>
@@ -1737,7 +1737,7 @@
           <a:p>
             <a:fld id="{53DC798D-381E-ED4A-8F36-6CFFBD026857}" type="datetimeFigureOut">
               <a:rPr lang="en-US" smtClean="0"/>
-              <a:t>12/3/2021</a:t>
+              <a:t>12/6/2021</a:t>
             </a:fld>
             <a:endParaRPr lang="en-US"/>
           </a:p>
@@ -2051,7 +2051,7 @@
           <a:p>
             <a:fld id="{53DC798D-381E-ED4A-8F36-6CFFBD026857}" type="datetimeFigureOut">
               <a:rPr lang="en-US" smtClean="0"/>
-              <a:t>12/3/2021</a:t>
+              <a:t>12/6/2021</a:t>
             </a:fld>
             <a:endParaRPr lang="en-US"/>
           </a:p>
@@ -2438,7 +2438,7 @@
           <a:p>
             <a:fld id="{53DC798D-381E-ED4A-8F36-6CFFBD026857}" type="datetimeFigureOut">
               <a:rPr lang="en-US" smtClean="0"/>
-              <a:t>12/3/2021</a:t>
+              <a:t>12/6/2021</a:t>
             </a:fld>
             <a:endParaRPr lang="en-US"/>
           </a:p>
@@ -2608,7 +2608,7 @@
           <a:p>
             <a:fld id="{53DC798D-381E-ED4A-8F36-6CFFBD026857}" type="datetimeFigureOut">
               <a:rPr lang="en-US" smtClean="0"/>
-              <a:t>12/3/2021</a:t>
+              <a:t>12/6/2021</a:t>
             </a:fld>
             <a:endParaRPr lang="en-US"/>
           </a:p>
@@ -2788,7 +2788,7 @@
           <a:p>
             <a:fld id="{53DC798D-381E-ED4A-8F36-6CFFBD026857}" type="datetimeFigureOut">
               <a:rPr lang="en-US" smtClean="0"/>
-              <a:t>12/3/2021</a:t>
+              <a:t>12/6/2021</a:t>
             </a:fld>
             <a:endParaRPr lang="en-US"/>
           </a:p>
@@ -2964,7 +2964,7 @@
           <a:p>
             <a:fld id="{53DC798D-381E-ED4A-8F36-6CFFBD026857}" type="datetimeFigureOut">
               <a:rPr lang="en-US" smtClean="0"/>
-              <a:t>12/3/2021</a:t>
+              <a:t>12/6/2021</a:t>
             </a:fld>
             <a:endParaRPr lang="en-US"/>
           </a:p>
@@ -3211,7 +3211,7 @@
           <a:p>
             <a:fld id="{53DC798D-381E-ED4A-8F36-6CFFBD026857}" type="datetimeFigureOut">
               <a:rPr lang="en-US" smtClean="0"/>
-              <a:t>12/3/2021</a:t>
+              <a:t>12/6/2021</a:t>
             </a:fld>
             <a:endParaRPr lang="en-US"/>
           </a:p>
@@ -3443,7 +3443,7 @@
           <a:p>
             <a:fld id="{53DC798D-381E-ED4A-8F36-6CFFBD026857}" type="datetimeFigureOut">
               <a:rPr lang="en-US" smtClean="0"/>
-              <a:t>12/3/2021</a:t>
+              <a:t>12/6/2021</a:t>
             </a:fld>
             <a:endParaRPr lang="en-US"/>
           </a:p>
@@ -3817,7 +3817,7 @@
           <a:p>
             <a:fld id="{53DC798D-381E-ED4A-8F36-6CFFBD026857}" type="datetimeFigureOut">
               <a:rPr lang="en-US" smtClean="0"/>
-              <a:t>12/3/2021</a:t>
+              <a:t>12/6/2021</a:t>
             </a:fld>
             <a:endParaRPr lang="en-US"/>
           </a:p>
@@ -3940,7 +3940,7 @@
           <a:p>
             <a:fld id="{53DC798D-381E-ED4A-8F36-6CFFBD026857}" type="datetimeFigureOut">
               <a:rPr lang="en-US" smtClean="0"/>
-              <a:t>12/3/2021</a:t>
+              <a:t>12/6/2021</a:t>
             </a:fld>
             <a:endParaRPr lang="en-US"/>
           </a:p>
@@ -4035,7 +4035,7 @@
           <a:p>
             <a:fld id="{53DC798D-381E-ED4A-8F36-6CFFBD026857}" type="datetimeFigureOut">
               <a:rPr lang="en-US" smtClean="0"/>
-              <a:t>12/3/2021</a:t>
+              <a:t>12/6/2021</a:t>
             </a:fld>
             <a:endParaRPr lang="en-US"/>
           </a:p>
@@ -4290,7 +4290,7 @@
           <a:p>
             <a:fld id="{53DC798D-381E-ED4A-8F36-6CFFBD026857}" type="datetimeFigureOut">
               <a:rPr lang="en-US" smtClean="0"/>
-              <a:t>12/3/2021</a:t>
+              <a:t>12/6/2021</a:t>
             </a:fld>
             <a:endParaRPr lang="en-US"/>
           </a:p>
@@ -4553,7 +4553,7 @@
           <a:p>
             <a:fld id="{53DC798D-381E-ED4A-8F36-6CFFBD026857}" type="datetimeFigureOut">
               <a:rPr lang="en-US" smtClean="0"/>
-              <a:t>12/3/2021</a:t>
+              <a:t>12/6/2021</a:t>
             </a:fld>
             <a:endParaRPr lang="en-US"/>
           </a:p>
@@ -5298,7 +5298,7 @@
           <a:p>
             <a:fld id="{53DC798D-381E-ED4A-8F36-6CFFBD026857}" type="datetimeFigureOut">
               <a:rPr lang="en-US" smtClean="0"/>
-              <a:t>12/3/2021</a:t>
+              <a:t>12/6/2021</a:t>
             </a:fld>
             <a:endParaRPr lang="en-US"/>
           </a:p>
@@ -7309,7 +7309,7 @@
           <a:p>
             <a:r>
               <a:rPr lang="en-US" dirty="0"/>
-              <a:t>Scree plot showed ca. 4 principal components explain most variation</a:t>
+              <a:t>Scree plot showed ca. 4 principal coordinates explain most variation</a:t>
             </a:r>
           </a:p>
         </p:txBody>

--- a/documents/Final_presentation.pptx
+++ b/documents/Final_presentation.pptx
@@ -845,7 +845,7 @@
           <a:p>
             <a:fld id="{53DC798D-381E-ED4A-8F36-6CFFBD026857}" type="datetimeFigureOut">
               <a:rPr lang="en-US" smtClean="0"/>
-              <a:t>12/3/2021</a:t>
+              <a:t>12/6/2021</a:t>
             </a:fld>
             <a:endParaRPr lang="en-US"/>
           </a:p>
@@ -1096,7 +1096,7 @@
           <a:p>
             <a:fld id="{53DC798D-381E-ED4A-8F36-6CFFBD026857}" type="datetimeFigureOut">
               <a:rPr lang="en-US" smtClean="0"/>
-              <a:t>12/3/2021</a:t>
+              <a:t>12/6/2021</a:t>
             </a:fld>
             <a:endParaRPr lang="en-US"/>
           </a:p>
@@ -1410,7 +1410,7 @@
           <a:p>
             <a:fld id="{53DC798D-381E-ED4A-8F36-6CFFBD026857}" type="datetimeFigureOut">
               <a:rPr lang="en-US" smtClean="0"/>
-              <a:t>12/3/2021</a:t>
+              <a:t>12/6/2021</a:t>
             </a:fld>
             <a:endParaRPr lang="en-US"/>
           </a:p>
@@ -1737,7 +1737,7 @@
           <a:p>
             <a:fld id="{53DC798D-381E-ED4A-8F36-6CFFBD026857}" type="datetimeFigureOut">
               <a:rPr lang="en-US" smtClean="0"/>
-              <a:t>12/3/2021</a:t>
+              <a:t>12/6/2021</a:t>
             </a:fld>
             <a:endParaRPr lang="en-US"/>
           </a:p>
@@ -2051,7 +2051,7 @@
           <a:p>
             <a:fld id="{53DC798D-381E-ED4A-8F36-6CFFBD026857}" type="datetimeFigureOut">
               <a:rPr lang="en-US" smtClean="0"/>
-              <a:t>12/3/2021</a:t>
+              <a:t>12/6/2021</a:t>
             </a:fld>
             <a:endParaRPr lang="en-US"/>
           </a:p>
@@ -2438,7 +2438,7 @@
           <a:p>
             <a:fld id="{53DC798D-381E-ED4A-8F36-6CFFBD026857}" type="datetimeFigureOut">
               <a:rPr lang="en-US" smtClean="0"/>
-              <a:t>12/3/2021</a:t>
+              <a:t>12/6/2021</a:t>
             </a:fld>
             <a:endParaRPr lang="en-US"/>
           </a:p>
@@ -2608,7 +2608,7 @@
           <a:p>
             <a:fld id="{53DC798D-381E-ED4A-8F36-6CFFBD026857}" type="datetimeFigureOut">
               <a:rPr lang="en-US" smtClean="0"/>
-              <a:t>12/3/2021</a:t>
+              <a:t>12/6/2021</a:t>
             </a:fld>
             <a:endParaRPr lang="en-US"/>
           </a:p>
@@ -2788,7 +2788,7 @@
           <a:p>
             <a:fld id="{53DC798D-381E-ED4A-8F36-6CFFBD026857}" type="datetimeFigureOut">
               <a:rPr lang="en-US" smtClean="0"/>
-              <a:t>12/3/2021</a:t>
+              <a:t>12/6/2021</a:t>
             </a:fld>
             <a:endParaRPr lang="en-US"/>
           </a:p>
@@ -2964,7 +2964,7 @@
           <a:p>
             <a:fld id="{53DC798D-381E-ED4A-8F36-6CFFBD026857}" type="datetimeFigureOut">
               <a:rPr lang="en-US" smtClean="0"/>
-              <a:t>12/3/2021</a:t>
+              <a:t>12/6/2021</a:t>
             </a:fld>
             <a:endParaRPr lang="en-US"/>
           </a:p>
@@ -3211,7 +3211,7 @@
           <a:p>
             <a:fld id="{53DC798D-381E-ED4A-8F36-6CFFBD026857}" type="datetimeFigureOut">
               <a:rPr lang="en-US" smtClean="0"/>
-              <a:t>12/3/2021</a:t>
+              <a:t>12/6/2021</a:t>
             </a:fld>
             <a:endParaRPr lang="en-US"/>
           </a:p>
@@ -3443,7 +3443,7 @@
           <a:p>
             <a:fld id="{53DC798D-381E-ED4A-8F36-6CFFBD026857}" type="datetimeFigureOut">
               <a:rPr lang="en-US" smtClean="0"/>
-              <a:t>12/3/2021</a:t>
+              <a:t>12/6/2021</a:t>
             </a:fld>
             <a:endParaRPr lang="en-US"/>
           </a:p>
@@ -3817,7 +3817,7 @@
           <a:p>
             <a:fld id="{53DC798D-381E-ED4A-8F36-6CFFBD026857}" type="datetimeFigureOut">
               <a:rPr lang="en-US" smtClean="0"/>
-              <a:t>12/3/2021</a:t>
+              <a:t>12/6/2021</a:t>
             </a:fld>
             <a:endParaRPr lang="en-US"/>
           </a:p>
@@ -3940,7 +3940,7 @@
           <a:p>
             <a:fld id="{53DC798D-381E-ED4A-8F36-6CFFBD026857}" type="datetimeFigureOut">
               <a:rPr lang="en-US" smtClean="0"/>
-              <a:t>12/3/2021</a:t>
+              <a:t>12/6/2021</a:t>
             </a:fld>
             <a:endParaRPr lang="en-US"/>
           </a:p>
@@ -4035,7 +4035,7 @@
           <a:p>
             <a:fld id="{53DC798D-381E-ED4A-8F36-6CFFBD026857}" type="datetimeFigureOut">
               <a:rPr lang="en-US" smtClean="0"/>
-              <a:t>12/3/2021</a:t>
+              <a:t>12/6/2021</a:t>
             </a:fld>
             <a:endParaRPr lang="en-US"/>
           </a:p>
@@ -4290,7 +4290,7 @@
           <a:p>
             <a:fld id="{53DC798D-381E-ED4A-8F36-6CFFBD026857}" type="datetimeFigureOut">
               <a:rPr lang="en-US" smtClean="0"/>
-              <a:t>12/3/2021</a:t>
+              <a:t>12/6/2021</a:t>
             </a:fld>
             <a:endParaRPr lang="en-US"/>
           </a:p>
@@ -4553,7 +4553,7 @@
           <a:p>
             <a:fld id="{53DC798D-381E-ED4A-8F36-6CFFBD026857}" type="datetimeFigureOut">
               <a:rPr lang="en-US" smtClean="0"/>
-              <a:t>12/3/2021</a:t>
+              <a:t>12/6/2021</a:t>
             </a:fld>
             <a:endParaRPr lang="en-US"/>
           </a:p>
@@ -5298,7 +5298,7 @@
           <a:p>
             <a:fld id="{53DC798D-381E-ED4A-8F36-6CFFBD026857}" type="datetimeFigureOut">
               <a:rPr lang="en-US" smtClean="0"/>
-              <a:t>12/3/2021</a:t>
+              <a:t>12/6/2021</a:t>
             </a:fld>
             <a:endParaRPr lang="en-US"/>
           </a:p>
@@ -7263,10 +7263,15 @@
             <p:ph idx="1"/>
           </p:nvPr>
         </p:nvSpPr>
-        <p:spPr/>
+        <p:spPr>
+          <a:xfrm>
+            <a:off x="677334" y="2160589"/>
+            <a:ext cx="8596668" cy="4441547"/>
+          </a:xfrm>
+        </p:spPr>
         <p:txBody>
           <a:bodyPr>
-            <a:normAutofit fontScale="92500" lnSpcReduction="20000"/>
+            <a:normAutofit/>
           </a:bodyPr>
           <a:lstStyle/>
           <a:p>
@@ -7309,7 +7314,7 @@
           <a:p>
             <a:r>
               <a:rPr lang="en-US" dirty="0"/>
-              <a:t>Scree plot showed ca. 4 principal components explain most variation</a:t>
+              <a:t>Scree plot showed ca. 4 principal coordinates explain most variation</a:t>
             </a:r>
           </a:p>
         </p:txBody>
@@ -7336,8 +7341,8 @@
         </p:blipFill>
         <p:spPr>
           <a:xfrm>
-            <a:off x="2523137" y="2469625"/>
-            <a:ext cx="4297113" cy="2865797"/>
+            <a:off x="2506359" y="2519959"/>
+            <a:ext cx="5479960" cy="3654652"/>
           </a:xfrm>
           <a:prstGeom prst="rect">
             <a:avLst/>

--- a/documents/Final_presentation.pptx
+++ b/documents/Final_presentation.pptx
@@ -6351,21 +6351,21 @@
             <a:pPr lvl="1"/>
             <a:r>
               <a:rPr lang="en-US" dirty="0"/>
-              <a:t>Habitat (savanna/forest/river, especially savanna from other habitats)</a:t>
+              <a:t>Habitat (savanna/forest/river, especially savanna from other habitats) (Hypothesis: yes)</a:t>
             </a:r>
           </a:p>
           <a:p>
             <a:pPr lvl="1"/>
             <a:r>
               <a:rPr lang="en-US" dirty="0"/>
-              <a:t>Habit (big erect/leaning and climbing/small arching, especially small arching from other habits)</a:t>
+              <a:t>Habit (big erect/leaning and climbing/small arching, especially small arching from other habits) (Hypothesis: no)</a:t>
             </a:r>
           </a:p>
           <a:p>
             <a:pPr lvl="1"/>
             <a:r>
               <a:rPr lang="en-US" dirty="0"/>
-              <a:t>Region (Mexico/Central America/Andes/Eastern South America)</a:t>
+              <a:t>Region (Mexico/Central America/Andes/Eastern South America) (Hypothesis: no)</a:t>
             </a:r>
           </a:p>
           <a:p>
@@ -6400,7 +6400,7 @@
             <a:pPr lvl="1"/>
             <a:r>
               <a:rPr lang="en-US" dirty="0"/>
-              <a:t>Does habit (which also affects light exposure) affect micromorphology?</a:t>
+              <a:t> Does habit (which also affects light exposure) affect micromorphology? </a:t>
             </a:r>
           </a:p>
           <a:p>

--- a/documents/Final_presentation.pptx
+++ b/documents/Final_presentation.pptx
@@ -6962,7 +6962,7 @@
         </p:spPr>
         <p:txBody>
           <a:bodyPr>
-            <a:normAutofit/>
+            <a:normAutofit lnSpcReduction="10000"/>
           </a:bodyPr>
           <a:lstStyle/>
           <a:p>
@@ -7096,6 +7096,13 @@
             <a:r>
               <a:rPr lang="en-US" dirty="0"/>
               <a:t>Each of 29 columns treated as separate “Y” but placed in a matrix, linear model run on each</a:t>
+            </a:r>
+          </a:p>
+          <a:p>
+            <a:pPr lvl="2"/>
+            <a:r>
+              <a:rPr lang="en-US" dirty="0"/>
+              <a:t>Error distribution: binomial</a:t>
             </a:r>
           </a:p>
           <a:p>

--- a/documents/Final_presentation.pptx
+++ b/documents/Final_presentation.pptx
@@ -6535,7 +6535,7 @@
             <a:pPr lvl="1"/>
             <a:r>
               <a:rPr lang="en-US" dirty="0"/>
-              <a:t>Hypothesized that micromorphological features would differ depending on habit and habitat, but not by region</a:t>
+              <a:t>Hypothesized that micromorphological features would differ depending on habitat, but not by habit or region</a:t>
             </a:r>
           </a:p>
         </p:txBody>
